--- a/Отчет/8.Миленьких.pptx
+++ b/Отчет/8.Миленьких.pptx
@@ -232,7 +232,7 @@
           <a:p>
             <a:fld id="{99C8E5B8-D640-46D7-BF2B-ADDDEFA93851}" type="datetimeFigureOut">
               <a:rPr lang="ru-RU" smtClean="0"/>
-              <a:t>11.12.2016</a:t>
+              <a:t>12.12.2016</a:t>
             </a:fld>
             <a:endParaRPr lang="ru-RU"/>
           </a:p>
@@ -398,7 +398,7 @@
           <a:p>
             <a:fld id="{76FFFFC3-F1D1-4F47-909A-C913E86BA368}" type="datetimeFigureOut">
               <a:rPr lang="ru-RU" smtClean="0"/>
-              <a:t>11.12.2016</a:t>
+              <a:t>12.12.2016</a:t>
             </a:fld>
             <a:endParaRPr lang="ru-RU"/>
           </a:p>
@@ -773,7 +773,11 @@
           <a:p>
             <a:r>
               <a:rPr lang="ru-RU" baseline="0" dirty="0" smtClean="0"/>
-              <a:t>После того, как база данных была спроектирована</a:t>
+              <a:t>«После </a:t>
+            </a:r>
+            <a:r>
+              <a:rPr lang="ru-RU" baseline="0" dirty="0" smtClean="0"/>
+              <a:t>того, как база данных была спроектирована</a:t>
             </a:r>
             <a:r>
               <a:rPr lang="en-US" baseline="0" dirty="0" smtClean="0"/>
@@ -793,7 +797,15 @@
             </a:r>
             <a:r>
               <a:rPr lang="ru-RU" baseline="0" dirty="0" smtClean="0"/>
-              <a:t> нем находятся все нужные приложению методы для работы с базой.</a:t>
+              <a:t> </a:t>
+            </a:r>
+            <a:r>
+              <a:rPr lang="ru-RU" baseline="0" dirty="0" smtClean="0"/>
+              <a:t>в нем </a:t>
+            </a:r>
+            <a:r>
+              <a:rPr lang="ru-RU" baseline="0" dirty="0" smtClean="0"/>
+              <a:t>находятся все нужные приложению методы для работы с базой.</a:t>
             </a:r>
           </a:p>
           <a:p>
@@ -804,6 +816,10 @@
             <a:r>
               <a:rPr lang="en-US" baseline="0" dirty="0" err="1" smtClean="0"/>
               <a:t>DBManager</a:t>
+            </a:r>
+            <a:r>
+              <a:rPr lang="ru-RU" baseline="0" dirty="0" smtClean="0"/>
+              <a:t>»</a:t>
             </a:r>
             <a:endParaRPr lang="ru-RU" baseline="0" dirty="0" smtClean="0"/>
           </a:p>
@@ -868,7 +884,11 @@
           <a:p>
             <a:r>
               <a:rPr lang="ru-RU" baseline="0" dirty="0" smtClean="0"/>
-              <a:t>Для работы с базой была использована библиотека </a:t>
+              <a:t>«Для </a:t>
+            </a:r>
+            <a:r>
+              <a:rPr lang="ru-RU" baseline="0" dirty="0" smtClean="0"/>
+              <a:t>работы с базой была использована библиотека </a:t>
             </a:r>
             <a:r>
               <a:rPr lang="en-US" baseline="0" dirty="0" smtClean="0"/>
@@ -883,7 +903,28 @@
           <a:p>
             <a:r>
               <a:rPr lang="ru-RU" baseline="0" dirty="0" smtClean="0"/>
-              <a:t>(Внутри базы хранится переменная с открытым подключением, т.е. приложение пока работает – подключено к базе)</a:t>
+              <a:t>(Внутри базы хранится переменная с открытым </a:t>
+            </a:r>
+            <a:r>
+              <a:rPr lang="ru-RU" baseline="0" dirty="0" smtClean="0"/>
+              <a:t>подключением</a:t>
+            </a:r>
+            <a:r>
+              <a:rPr lang="ru-RU" baseline="0" dirty="0" smtClean="0"/>
+              <a:t>, т.е. приложение пока работает – подключено к базе</a:t>
+            </a:r>
+            <a:r>
+              <a:rPr lang="ru-RU" baseline="0" dirty="0" smtClean="0"/>
+              <a:t>)»</a:t>
+            </a:r>
+          </a:p>
+          <a:p>
+            <a:endParaRPr lang="ru-RU" baseline="0" dirty="0" smtClean="0"/>
+          </a:p>
+          <a:p>
+            <a:r>
+              <a:rPr lang="ru-RU" baseline="0" dirty="0" smtClean="0"/>
+              <a:t>УДАЛЕНИЕ КАСКАДНОЕ</a:t>
             </a:r>
             <a:endParaRPr lang="en-US" baseline="0" dirty="0" smtClean="0"/>
           </a:p>
@@ -948,7 +989,15 @@
           <a:p>
             <a:r>
               <a:rPr lang="ru-RU" baseline="0" dirty="0"/>
-              <a:t> Классы разбиваются на типы: </a:t>
+              <a:t> </a:t>
+            </a:r>
+            <a:r>
+              <a:rPr lang="ru-RU" baseline="0" dirty="0" smtClean="0"/>
+              <a:t>«Классы </a:t>
+            </a:r>
+            <a:r>
+              <a:rPr lang="ru-RU" baseline="0" dirty="0"/>
+              <a:t>разбиваются на типы: </a:t>
             </a:r>
           </a:p>
           <a:p>
@@ -971,12 +1020,24 @@
               <a:t>Классы </a:t>
             </a:r>
             <a:r>
-              <a:rPr lang="en-US" baseline="0" dirty="0" err="1"/>
-              <a:t>windowsform</a:t>
+              <a:rPr lang="en-US" baseline="0" dirty="0" smtClean="0"/>
+              <a:t>windows</a:t>
+            </a:r>
+            <a:r>
+              <a:rPr lang="ru-RU" baseline="0" dirty="0" smtClean="0"/>
+              <a:t> </a:t>
+            </a:r>
+            <a:r>
+              <a:rPr lang="en-US" baseline="0" dirty="0" smtClean="0"/>
+              <a:t>form</a:t>
+            </a:r>
+            <a:r>
+              <a:rPr lang="ru-RU" baseline="0" dirty="0" smtClean="0"/>
+              <a:t> </a:t>
             </a:r>
             <a:r>
               <a:rPr lang="ru-RU" baseline="0" dirty="0"/>
-              <a:t> с содержанием функционала интерфейсов и способа их отображения</a:t>
+              <a:t>с содержанием функционала интерфейсов и способа их отображения</a:t>
             </a:r>
           </a:p>
           <a:p>
@@ -994,7 +1055,11 @@
             </a:r>
             <a:r>
               <a:rPr lang="ru-RU" baseline="0" dirty="0"/>
-              <a:t>в нем всякие мелкие методы (типа того, что принимает число, а возвращает строку со звездочками)</a:t>
+              <a:t>в нем всякие мелкие методы (типа того, что принимает число, а возвращает строку со звездочками</a:t>
+            </a:r>
+            <a:r>
+              <a:rPr lang="ru-RU" baseline="0" dirty="0" smtClean="0"/>
+              <a:t>)»</a:t>
             </a:r>
             <a:endParaRPr lang="ru-RU" dirty="0"/>
           </a:p>
@@ -1145,14 +1210,38 @@
             </a:r>
             <a:r>
               <a:rPr lang="ru-RU" baseline="0" dirty="0"/>
-              <a:t>выделяет все автомобили из базы, после чего сортирует ( по новизне или оценке) и отображает столько, сколько нужно</a:t>
-            </a:r>
+              <a:t>выделяет все автомобили из базы, после чего сортирует ( по новизне или оценке) и отображает столько, сколько </a:t>
+            </a:r>
+            <a:r>
+              <a:rPr lang="ru-RU" baseline="0" dirty="0" smtClean="0"/>
+              <a:t>нужно</a:t>
+            </a:r>
+            <a:endParaRPr lang="en-US" baseline="0" dirty="0" smtClean="0"/>
           </a:p>
           <a:p>
             <a:pPr marL="171450" indent="-171450">
               <a:buFontTx/>
               <a:buChar char="-"/>
             </a:pPr>
+            <a:endParaRPr lang="en-US" baseline="0" dirty="0" smtClean="0"/>
+          </a:p>
+          <a:p>
+            <a:pPr marL="171450" indent="-171450">
+              <a:buFontTx/>
+              <a:buChar char="-"/>
+            </a:pPr>
+            <a:r>
+              <a:rPr lang="ru-RU" baseline="0" dirty="0" smtClean="0"/>
+              <a:t>« Чтобы отразить все эти </a:t>
+            </a:r>
+            <a:r>
+              <a:rPr lang="ru-RU" baseline="0" dirty="0" err="1" smtClean="0"/>
+              <a:t>машны</a:t>
+            </a:r>
+            <a:r>
+              <a:rPr lang="ru-RU" baseline="0" dirty="0" smtClean="0"/>
+              <a:t> мы сначала выбираем абсолютно все машины с базы, а затем по очереди сортируем сначала по дате, а затем по рейтингу. Данный метод хорошо подходит для локальной базы данных, с небольшими наборами данных. (меньше запросов к базе)»</a:t>
+            </a:r>
             <a:endParaRPr lang="ru-RU" dirty="0"/>
           </a:p>
         </p:txBody>
@@ -1269,6 +1358,24 @@
               <a:rPr lang="ru-RU" baseline="0" dirty="0"/>
               <a:t>затем считываются значения всех элементов из панели поиска и тупо в цикле сравнивается ( если данные автомобиля не перечат данным в формах, то добавляем машину в список) </a:t>
             </a:r>
+            <a:endParaRPr lang="ru-RU" baseline="0" dirty="0" smtClean="0"/>
+          </a:p>
+          <a:p>
+            <a:endParaRPr lang="ru-RU" baseline="0" dirty="0" smtClean="0"/>
+          </a:p>
+          <a:p>
+            <a:r>
+              <a:rPr lang="ru-RU" baseline="0" dirty="0" smtClean="0"/>
+              <a:t>« в начале программы с базы считываются все марки машин и типы кузовов и добавляются в </a:t>
+            </a:r>
+            <a:r>
+              <a:rPr lang="en-US" baseline="0" dirty="0" smtClean="0"/>
+              <a:t>list item</a:t>
+            </a:r>
+            <a:r>
+              <a:rPr lang="ru-RU" baseline="0" dirty="0" smtClean="0"/>
+              <a:t>»</a:t>
+            </a:r>
             <a:endParaRPr lang="ru-RU" dirty="0"/>
           </a:p>
         </p:txBody>
@@ -1696,8 +1803,22 @@
           <a:p>
             <a:r>
               <a:rPr lang="ru-RU" baseline="0" dirty="0"/>
-              <a:t>При успешной регистрации кидает в окно логирования, иначе предупреждает</a:t>
-            </a:r>
+              <a:t>При успешной регистрации кидает в окно логирования, иначе </a:t>
+            </a:r>
+            <a:r>
+              <a:rPr lang="ru-RU" baseline="0" dirty="0" smtClean="0"/>
+              <a:t>предупреждает</a:t>
+            </a:r>
+          </a:p>
+          <a:p>
+            <a:endParaRPr lang="ru-RU" baseline="0" dirty="0" smtClean="0"/>
+          </a:p>
+          <a:p>
+            <a:r>
+              <a:rPr lang="ru-RU" baseline="0" dirty="0" smtClean="0"/>
+              <a:t>Логин уникальный, пароль от 8 символов</a:t>
+            </a:r>
+            <a:endParaRPr lang="ru-RU" baseline="0" dirty="0"/>
           </a:p>
         </p:txBody>
       </p:sp>
@@ -1866,9 +1987,14 @@
           <a:lstStyle/>
           <a:p>
             <a:r>
-              <a:rPr lang="ru-RU" dirty="0"/>
-              <a:t>Для </a:t>
-            </a:r>
+              <a:rPr lang="ru-RU" dirty="0" smtClean="0"/>
+              <a:t>«На</a:t>
+            </a:r>
+            <a:r>
+              <a:rPr lang="ru-RU" baseline="0" dirty="0" smtClean="0"/>
+              <a:t> данном слайде вы можете видеть цели и задачи курсового проекта»</a:t>
+            </a:r>
+            <a:endParaRPr lang="ru-RU" dirty="0"/>
           </a:p>
         </p:txBody>
       </p:sp>
@@ -1946,6 +2072,75 @@
 </p:notes>
 </file>
 
+<file path=ppt/notesSlides/notesSlide21.xml><?xml version="1.0" encoding="utf-8"?>
+<p:notes xmlns:a="http://schemas.openxmlformats.org/drawingml/2006/main" xmlns:r="http://schemas.openxmlformats.org/officeDocument/2006/relationships" xmlns:p="http://schemas.openxmlformats.org/presentationml/2006/main">
+  <p:cSld>
+    <p:spTree>
+      <p:nvGrpSpPr>
+        <p:cNvPr id="1" name=""/>
+        <p:cNvGrpSpPr/>
+        <p:nvPr/>
+      </p:nvGrpSpPr>
+      <p:grpSpPr>
+        <a:xfrm>
+          <a:off x="0" y="0"/>
+          <a:ext cx="0" cy="0"/>
+          <a:chOff x="0" y="0"/>
+          <a:chExt cx="0" cy="0"/>
+        </a:xfrm>
+      </p:grpSpPr>
+      <p:sp>
+        <p:nvSpPr>
+          <p:cNvPr id="2" name="Образ слайда 1"/>
+          <p:cNvSpPr>
+            <a:spLocks noGrp="1" noRot="1" noChangeAspect="1"/>
+          </p:cNvSpPr>
+          <p:nvPr>
+            <p:ph type="sldImg"/>
+          </p:nvPr>
+        </p:nvSpPr>
+        <p:spPr/>
+      </p:sp>
+      <p:sp>
+        <p:nvSpPr>
+          <p:cNvPr id="3" name="Заметки 2"/>
+          <p:cNvSpPr>
+            <a:spLocks noGrp="1"/>
+          </p:cNvSpPr>
+          <p:nvPr>
+            <p:ph type="body" idx="1"/>
+          </p:nvPr>
+        </p:nvSpPr>
+        <p:spPr/>
+        <p:txBody>
+          <a:bodyPr/>
+          <a:lstStyle/>
+          <a:p>
+            <a:r>
+              <a:rPr lang="ru-RU" dirty="0" smtClean="0"/>
+              <a:t>«Ты</a:t>
+            </a:r>
+            <a:r>
+              <a:rPr lang="ru-RU" baseline="0" dirty="0" smtClean="0"/>
+              <a:t> использовал нормализацию? - немного</a:t>
+            </a:r>
+            <a:endParaRPr lang="ru-RU" dirty="0"/>
+          </a:p>
+        </p:txBody>
+      </p:sp>
+    </p:spTree>
+    <p:extLst>
+      <p:ext uri="{BB962C8B-B14F-4D97-AF65-F5344CB8AC3E}">
+        <p14:creationId xmlns:p14="http://schemas.microsoft.com/office/powerpoint/2010/main" val="1302291176"/>
+      </p:ext>
+    </p:extLst>
+  </p:cSld>
+  <p:clrMapOvr>
+    <a:masterClrMapping/>
+  </p:clrMapOvr>
+</p:notes>
+</file>
+
 <file path=ppt/notesSlides/notesSlide3.xml><?xml version="1.0" encoding="utf-8"?>
 <p:notes xmlns:a="http://schemas.openxmlformats.org/drawingml/2006/main" xmlns:r="http://schemas.openxmlformats.org/officeDocument/2006/relationships" xmlns:p="http://schemas.openxmlformats.org/presentationml/2006/main">
   <p:cSld>
@@ -1991,22 +2186,30 @@
           <a:lstStyle/>
           <a:p>
             <a:r>
-              <a:rPr lang="ru-RU" dirty="0"/>
-              <a:t>При</a:t>
+              <a:rPr lang="ru-RU" dirty="0" smtClean="0"/>
+              <a:t>«При</a:t>
+            </a:r>
+            <a:r>
+              <a:rPr lang="ru-RU" baseline="0" dirty="0" smtClean="0"/>
+              <a:t> </a:t>
             </a:r>
             <a:r>
               <a:rPr lang="ru-RU" baseline="0" dirty="0"/>
-              <a:t> разборе аналогов можно определить успешный функционал программы. Т.е. что хорошо, а что плохо.</a:t>
-            </a:r>
-          </a:p>
-          <a:p>
-            <a:endParaRPr lang="ru-RU" baseline="0" dirty="0"/>
+              <a:t>разборе аналогов можно определить успешный функционал программы. </a:t>
+            </a:r>
           </a:p>
           <a:p>
             <a:r>
               <a:rPr lang="ru-RU" baseline="0" dirty="0"/>
-              <a:t>В данных аналогах плохо то, что не работают без интернета, так же нет нормального поиска. </a:t>
-            </a:r>
+              <a:t>В данных аналогах плохо то, что не работают без интернета, так же нет нормального поиска</a:t>
+            </a:r>
+            <a:r>
+              <a:rPr lang="ru-RU" baseline="0" dirty="0" smtClean="0"/>
+              <a:t>.»</a:t>
+            </a:r>
+          </a:p>
+          <a:p>
+            <a:endParaRPr lang="ru-RU" baseline="0" dirty="0" smtClean="0"/>
           </a:p>
           <a:p>
             <a:endParaRPr lang="ru-RU" baseline="0" dirty="0"/>
@@ -2086,12 +2289,68 @@
           <a:lstStyle/>
           <a:p>
             <a:r>
+              <a:rPr lang="ru-RU" dirty="0" smtClean="0"/>
+              <a:t>«Данный</a:t>
+            </a:r>
+            <a:r>
+              <a:rPr lang="ru-RU" baseline="0" dirty="0" smtClean="0"/>
+              <a:t> форум имеет х</a:t>
+            </a:r>
+            <a:r>
+              <a:rPr lang="ru-RU" dirty="0" smtClean="0"/>
+              <a:t>ороший </a:t>
+            </a:r>
+            <a:r>
               <a:rPr lang="ru-RU" dirty="0"/>
-              <a:t>Хороший функционал,</a:t>
+              <a:t>функционал,</a:t>
             </a:r>
             <a:r>
               <a:rPr lang="ru-RU" baseline="0" dirty="0"/>
-              <a:t> но пишет кто что хочет, по этому информация не проверенная, да и поиска так же нет нормального.. . Остается лишь скитаться по навязанной форумом иерархии классификаций </a:t>
+              <a:t> </a:t>
+            </a:r>
+            <a:r>
+              <a:rPr lang="ru-RU" baseline="0" dirty="0" smtClean="0"/>
+              <a:t>но каждый </a:t>
+            </a:r>
+            <a:r>
+              <a:rPr lang="ru-RU" baseline="0" dirty="0"/>
+              <a:t>пишет кто что хочет, </a:t>
+            </a:r>
+            <a:r>
+              <a:rPr lang="ru-RU" baseline="0" dirty="0" smtClean="0"/>
+              <a:t>по </a:t>
+            </a:r>
+            <a:r>
+              <a:rPr lang="ru-RU" baseline="0" dirty="0"/>
+              <a:t>этому информация не </a:t>
+            </a:r>
+            <a:r>
+              <a:rPr lang="ru-RU" baseline="0" dirty="0" smtClean="0"/>
+              <a:t>проверенная и плохо подана, </a:t>
+            </a:r>
+            <a:r>
+              <a:rPr lang="ru-RU" baseline="0" dirty="0"/>
+              <a:t>да и поиска так же нет нормального</a:t>
+            </a:r>
+            <a:r>
+              <a:rPr lang="ru-RU" baseline="0" dirty="0" smtClean="0"/>
+              <a:t>..»</a:t>
+            </a:r>
+          </a:p>
+          <a:p>
+            <a:endParaRPr lang="ru-RU" baseline="0" dirty="0" smtClean="0"/>
+          </a:p>
+          <a:p>
+            <a:endParaRPr lang="ru-RU" baseline="0" dirty="0" smtClean="0"/>
+          </a:p>
+          <a:p>
+            <a:r>
+              <a:rPr lang="ru-RU" baseline="0" dirty="0" smtClean="0"/>
+              <a:t> </a:t>
+            </a:r>
+            <a:r>
+              <a:rPr lang="ru-RU" baseline="0" dirty="0"/>
+              <a:t>Остается лишь скитаться по навязанной форумом иерархии классификаций </a:t>
             </a:r>
           </a:p>
           <a:p>
@@ -2157,12 +2416,36 @@
           <a:lstStyle/>
           <a:p>
             <a:r>
-              <a:rPr lang="ru-RU" dirty="0"/>
-              <a:t>На</a:t>
+              <a:rPr lang="ru-RU" dirty="0" smtClean="0"/>
+              <a:t>«На</a:t>
+            </a:r>
+            <a:r>
+              <a:rPr lang="ru-RU" baseline="0" dirty="0" smtClean="0"/>
+              <a:t> </a:t>
             </a:r>
             <a:r>
               <a:rPr lang="ru-RU" baseline="0" dirty="0"/>
-              <a:t> основе анализа были выделены функционал а затем составлена схема функционала (то, как все будет работать</a:t>
+              <a:t>основе анализа </a:t>
+            </a:r>
+            <a:r>
+              <a:rPr lang="ru-RU" baseline="0" dirty="0" smtClean="0"/>
+              <a:t>была составлена функциональная схема программы»</a:t>
+            </a:r>
+          </a:p>
+          <a:p>
+            <a:endParaRPr lang="ru-RU" baseline="0" dirty="0" smtClean="0"/>
+          </a:p>
+          <a:p>
+            <a:endParaRPr lang="ru-RU" baseline="0" dirty="0" smtClean="0"/>
+          </a:p>
+          <a:p>
+            <a:r>
+              <a:rPr lang="ru-RU" baseline="0" dirty="0" smtClean="0"/>
+              <a:t>(то</a:t>
+            </a:r>
+            <a:r>
+              <a:rPr lang="ru-RU" baseline="0" dirty="0"/>
+              <a:t>, как все будет работать</a:t>
             </a:r>
             <a:r>
               <a:rPr lang="ru-RU" baseline="0" dirty="0" smtClean="0"/>
@@ -2231,17 +2514,7 @@
           <a:p>
             <a:r>
               <a:rPr lang="ru-RU" dirty="0" smtClean="0"/>
-              <a:t>Далее нужно</a:t>
-            </a:r>
-            <a:r>
-              <a:rPr lang="ru-RU" baseline="0" dirty="0" smtClean="0"/>
-              <a:t> разработать базу для приложения. </a:t>
-            </a:r>
-          </a:p>
-          <a:p>
-            <a:r>
-              <a:rPr lang="ru-RU" dirty="0" smtClean="0"/>
-              <a:t>При</a:t>
+              <a:t>«При</a:t>
             </a:r>
             <a:r>
               <a:rPr lang="ru-RU" baseline="0" dirty="0" smtClean="0"/>
@@ -2267,7 +2540,6 @@
               <a:rPr lang="ru-RU" baseline="0" dirty="0" smtClean="0"/>
               <a:t>Пользователь, Запись об авто, комментарий. </a:t>
             </a:r>
-            <a:endParaRPr lang="ru-RU" baseline="0" dirty="0" smtClean="0"/>
           </a:p>
           <a:p>
             <a:r>
@@ -2280,7 +2552,11 @@
             </a:r>
             <a:r>
               <a:rPr lang="ru-RU" baseline="0" dirty="0" smtClean="0"/>
-              <a:t> всего приложения – запись об автомобиле. Ее атрибуты мы рассмотрим далее.</a:t>
+              <a:t> всего приложения – запись об автомобиле. Ее атрибуты мы рассмотрим далее</a:t>
+            </a:r>
+            <a:r>
+              <a:rPr lang="ru-RU" baseline="0" dirty="0" smtClean="0"/>
+              <a:t>.»</a:t>
             </a:r>
             <a:endParaRPr lang="ru-RU" dirty="0"/>
           </a:p>
@@ -2348,7 +2624,7 @@
             </a:pPr>
             <a:r>
               <a:rPr lang="ru-RU" baseline="0" dirty="0" smtClean="0"/>
-              <a:t>характеристики</a:t>
+              <a:t>«Характеристики</a:t>
             </a:r>
             <a:r>
               <a:rPr lang="ru-RU" baseline="0" dirty="0"/>
@@ -2364,22 +2640,23 @@
             </a:r>
             <a:r>
               <a:rPr lang="ru-RU" baseline="0" dirty="0" smtClean="0"/>
-              <a:t>.</a:t>
-            </a:r>
-          </a:p>
-          <a:p>
-            <a:pPr marL="0" indent="0">
-              <a:buNone/>
-            </a:pPr>
-            <a:endParaRPr lang="ru-RU" baseline="0" dirty="0" smtClean="0"/>
-          </a:p>
-          <a:p>
-            <a:pPr marL="0" indent="0">
-              <a:buNone/>
-            </a:pPr>
+              <a:t>. Стоит </a:t>
+            </a:r>
             <a:r>
               <a:rPr lang="ru-RU" baseline="0" dirty="0" smtClean="0"/>
-              <a:t>Обратите внимание / Стоит обратить внимание на последнюю характеристику. Она не завит не от самой машины, а от комментариев пользователя. Реализация данной особенности будет рассмотрена в следующих слайдах.</a:t>
+              <a:t>обратить внимание на последнюю характеристику. Она </a:t>
+            </a:r>
+            <a:r>
+              <a:rPr lang="ru-RU" baseline="0" dirty="0" smtClean="0"/>
+              <a:t>завит </a:t>
+            </a:r>
+            <a:r>
+              <a:rPr lang="ru-RU" baseline="0" dirty="0" smtClean="0"/>
+              <a:t>не от самой машины, а от комментариев пользователя. Реализация данной особенности будет рассмотрена в следующих </a:t>
+            </a:r>
+            <a:r>
+              <a:rPr lang="ru-RU" baseline="0" dirty="0" smtClean="0"/>
+              <a:t>слайдах(9).</a:t>
             </a:r>
             <a:endParaRPr lang="ru-RU" dirty="0"/>
           </a:p>
@@ -2444,7 +2721,11 @@
           <a:p>
             <a:r>
               <a:rPr lang="ru-RU" dirty="0" smtClean="0"/>
-              <a:t>После концептуального проектирования</a:t>
+              <a:t>«После </a:t>
+            </a:r>
+            <a:r>
+              <a:rPr lang="ru-RU" dirty="0" smtClean="0"/>
+              <a:t>концептуального проектирования</a:t>
             </a:r>
             <a:r>
               <a:rPr lang="ru-RU" baseline="0" dirty="0" smtClean="0"/>
@@ -2456,20 +2737,30 @@
             </a:r>
             <a:r>
               <a:rPr lang="ru-RU" baseline="0" dirty="0" smtClean="0"/>
-              <a:t>, а затем можно заметить, что типы машин и типы кузовов машин часто совпадают и чтобы не хранить одну и ту же информацию в разных записях мы </a:t>
+              <a:t> (</a:t>
+            </a:r>
+            <a:r>
+              <a:rPr lang="ru-RU" baseline="0" dirty="0" err="1" smtClean="0"/>
+              <a:t>юзер,комментарий,запись</a:t>
             </a:r>
             <a:r>
               <a:rPr lang="ru-RU" baseline="0" dirty="0" smtClean="0"/>
-              <a:t>создали </a:t>
+              <a:t>), </a:t>
             </a:r>
             <a:r>
               <a:rPr lang="ru-RU" baseline="0" dirty="0" smtClean="0"/>
-              <a:t>еще 2 вспомогательные таблицы (которые слева</a:t>
+              <a:t>а затем можно заметить, что типы машин и типы кузовов машин часто совпадают и чтобы не хранить одну и ту же информацию в разных записях мы создали еще 2 вспомогательные таблицы (которые слева</a:t>
             </a:r>
             <a:r>
               <a:rPr lang="ru-RU" baseline="0" dirty="0" smtClean="0"/>
-              <a:t>).</a:t>
-            </a:r>
+              <a:t>).»</a:t>
+            </a:r>
+          </a:p>
+          <a:p>
+            <a:endParaRPr lang="ru-RU" baseline="0" dirty="0" smtClean="0"/>
+          </a:p>
+          <a:p>
+            <a:endParaRPr lang="ru-RU" baseline="0" dirty="0" smtClean="0"/>
           </a:p>
         </p:txBody>
       </p:sp>
@@ -2532,11 +2823,15 @@
           <a:p>
             <a:r>
               <a:rPr lang="ru-RU" dirty="0" smtClean="0"/>
-              <a:t>Для</a:t>
+              <a:t>«Для</a:t>
             </a:r>
             <a:r>
               <a:rPr lang="ru-RU" baseline="0" dirty="0" smtClean="0"/>
-              <a:t> вычисление рейтинга можно было поступить двумя способами: </a:t>
+              <a:t> </a:t>
+            </a:r>
+            <a:r>
+              <a:rPr lang="ru-RU" baseline="0" dirty="0" smtClean="0"/>
+              <a:t>вычисление рейтинга можно было поступить двумя способами: </a:t>
             </a:r>
           </a:p>
           <a:p>
@@ -2595,8 +2890,13 @@
             </a:r>
             <a:r>
               <a:rPr lang="ru-RU" baseline="0" dirty="0" smtClean="0"/>
-              <a:t> при встрече)</a:t>
-            </a:r>
+              <a:t> при встрече</a:t>
+            </a:r>
+            <a:r>
+              <a:rPr lang="ru-RU" baseline="0" dirty="0" smtClean="0"/>
+              <a:t>)»</a:t>
+            </a:r>
+            <a:endParaRPr lang="ru-RU" baseline="0" dirty="0" smtClean="0"/>
           </a:p>
         </p:txBody>
       </p:sp>
@@ -2903,7 +3203,7 @@
           <a:p>
             <a:fld id="{C7E63680-3403-4E05-9624-2C1027B5690F}" type="datetime1">
               <a:rPr lang="ru-RU" smtClean="0"/>
-              <a:t>11.12.2016</a:t>
+              <a:t>12.12.2016</a:t>
             </a:fld>
             <a:endParaRPr lang="ru-RU"/>
           </a:p>
@@ -3068,7 +3368,7 @@
           <a:p>
             <a:fld id="{63B474CE-F997-4642-AE20-E06F23DCBB3D}" type="datetime1">
               <a:rPr lang="ru-RU" smtClean="0"/>
-              <a:t>11.12.2016</a:t>
+              <a:t>12.12.2016</a:t>
             </a:fld>
             <a:endParaRPr lang="ru-RU"/>
           </a:p>
@@ -3243,7 +3543,7 @@
           <a:p>
             <a:fld id="{16F89E77-FB02-4646-9D73-B6B28C512FD8}" type="datetime1">
               <a:rPr lang="ru-RU" smtClean="0"/>
-              <a:t>11.12.2016</a:t>
+              <a:t>12.12.2016</a:t>
             </a:fld>
             <a:endParaRPr lang="ru-RU"/>
           </a:p>
@@ -3390,7 +3690,7 @@
           <a:p>
             <a:fld id="{24EA0706-4CAB-457C-857B-839D7B524D39}" type="datetime1">
               <a:rPr lang="ru-RU" smtClean="0"/>
-              <a:t>11.12.2016</a:t>
+              <a:t>12.12.2016</a:t>
             </a:fld>
             <a:endParaRPr lang="ru-RU"/>
           </a:p>
@@ -3507,7 +3807,7 @@
           <a:p>
             <a:fld id="{A440A621-64E1-4814-BAA4-CCD3D902F700}" type="datetime1">
               <a:rPr lang="ru-RU" smtClean="0"/>
-              <a:t>11.12.2016</a:t>
+              <a:t>12.12.2016</a:t>
             </a:fld>
             <a:endParaRPr lang="ru-RU"/>
           </a:p>
@@ -3777,7 +4077,7 @@
           <a:p>
             <a:fld id="{2FA2607E-93EA-4E02-A3E2-E57078F6E0BD}" type="datetime1">
               <a:rPr lang="ru-RU" smtClean="0"/>
-              <a:t>11.12.2016</a:t>
+              <a:t>12.12.2016</a:t>
             </a:fld>
             <a:endParaRPr lang="ru-RU"/>
           </a:p>
@@ -4046,7 +4346,7 @@
           <a:p>
             <a:fld id="{F610C45C-ADC9-49FB-9452-DC18BE11D720}" type="datetime1">
               <a:rPr lang="ru-RU" smtClean="0"/>
-              <a:t>11.12.2016</a:t>
+              <a:t>12.12.2016</a:t>
             </a:fld>
             <a:endParaRPr lang="ru-RU"/>
           </a:p>
@@ -4493,7 +4793,7 @@
           <a:p>
             <a:fld id="{38FB9F92-889E-4438-9911-F33DCBE906E7}" type="datetime1">
               <a:rPr lang="ru-RU" smtClean="0"/>
-              <a:t>11.12.2016</a:t>
+              <a:t>12.12.2016</a:t>
             </a:fld>
             <a:endParaRPr lang="ru-RU"/>
           </a:p>
@@ -4606,7 +4906,7 @@
           <a:p>
             <a:fld id="{C7540D2B-9289-4649-8F31-B03AAE726CC0}" type="datetime1">
               <a:rPr lang="ru-RU" smtClean="0"/>
-              <a:t>11.12.2016</a:t>
+              <a:t>12.12.2016</a:t>
             </a:fld>
             <a:endParaRPr lang="ru-RU"/>
           </a:p>
@@ -4856,7 +5156,7 @@
           <a:p>
             <a:fld id="{D22D91E1-F917-44DA-8221-BC88B5498F66}" type="datetime1">
               <a:rPr lang="ru-RU" smtClean="0"/>
-              <a:t>11.12.2016</a:t>
+              <a:t>12.12.2016</a:t>
             </a:fld>
             <a:endParaRPr lang="ru-RU"/>
           </a:p>
@@ -5096,7 +5396,7 @@
           <a:p>
             <a:fld id="{A961FB25-789F-4FE1-9383-ADDCD5CC8802}" type="datetime1">
               <a:rPr lang="ru-RU" smtClean="0"/>
-              <a:t>11.12.2016</a:t>
+              <a:t>12.12.2016</a:t>
             </a:fld>
             <a:endParaRPr lang="ru-RU"/>
           </a:p>
@@ -5269,7 +5569,7 @@
           <a:p>
             <a:fld id="{6F54E012-B86B-43EF-8616-D2838B9E7B27}" type="datetime1">
               <a:rPr lang="ru-RU" smtClean="0"/>
-              <a:t>11.12.2016</a:t>
+              <a:t>12.12.2016</a:t>
             </a:fld>
             <a:endParaRPr lang="ru-RU"/>
           </a:p>
@@ -5995,6 +6295,13 @@
       </p:transition>
     </mc:Fallback>
   </mc:AlternateContent>
+  <p:timing>
+    <p:tnLst>
+      <p:par>
+        <p:cTn id="1" dur="indefinite" restart="never" nodeType="tmRoot"/>
+      </p:par>
+    </p:tnLst>
+  </p:timing>
 </p:sld>
 </file>
 
@@ -6881,18 +7188,25 @@
   <p:clrMapOvr>
     <a:masterClrMapping/>
   </p:clrMapOvr>
-  <mc:AlternateContent xmlns:mc="http://schemas.openxmlformats.org/markup-compatibility/2006">
-    <mc:Choice xmlns:p14="http://schemas.microsoft.com/office/powerpoint/2010/main" Requires="p14">
+  <mc:AlternateContent xmlns:mc="http://schemas.openxmlformats.org/markup-compatibility/2006" xmlns:p14="http://schemas.microsoft.com/office/powerpoint/2010/main">
+    <mc:Choice Requires="p14">
       <p:transition spd="med" p14:dur="700">
         <p:fade/>
       </p:transition>
     </mc:Choice>
-    <mc:Fallback>
+    <mc:Fallback xmlns="">
       <p:transition spd="med">
         <p:fade/>
       </p:transition>
     </mc:Fallback>
   </mc:AlternateContent>
+  <p:timing>
+    <p:tnLst>
+      <p:par>
+        <p:cTn id="1" dur="indefinite" restart="never" nodeType="tmRoot"/>
+      </p:par>
+    </p:tnLst>
+  </p:timing>
 </p:sld>
 </file>
 
@@ -7004,7 +7318,7 @@
           <p:nvPr>
             <p:extLst>
               <p:ext uri="{D42A27DB-BD31-4B8C-83A1-F6EECF244321}">
-                <p14:modId xmlns:p14="http://schemas.microsoft.com/office/powerpoint/2010/main" val="3506926238"/>
+                <p14:modId xmlns:p14="http://schemas.microsoft.com/office/powerpoint/2010/main" val="1813637907"/>
               </p:ext>
             </p:extLst>
           </p:nvPr>
@@ -7630,14 +7944,38 @@
                         </a:spcAft>
                       </a:pPr>
                       <a:r>
-                        <a:rPr lang="en-US" sz="1400">
+                        <a:rPr lang="en-US" sz="1400" dirty="0" err="1">
                           <a:effectLst/>
                           <a:latin typeface="Times New Roman" panose="02020603050405020304" pitchFamily="18" charset="0"/>
                           <a:ea typeface="Times New Roman" panose="02020603050405020304" pitchFamily="18" charset="0"/>
                         </a:rPr>
-                        <a:t>AddComment(CommentClass),</a:t>
+                        <a:t>AddComment</a:t>
                       </a:r>
-                      <a:endParaRPr lang="ru-RU" sz="1000">
+                      <a:r>
+                        <a:rPr lang="en-US" sz="1400" dirty="0">
+                          <a:effectLst/>
+                          <a:latin typeface="Times New Roman" panose="02020603050405020304" pitchFamily="18" charset="0"/>
+                          <a:ea typeface="Times New Roman" panose="02020603050405020304" pitchFamily="18" charset="0"/>
+                        </a:rPr>
+                        <a:t>(</a:t>
+                      </a:r>
+                      <a:r>
+                        <a:rPr lang="en-US" sz="1400" dirty="0" err="1">
+                          <a:effectLst/>
+                          <a:latin typeface="Times New Roman" panose="02020603050405020304" pitchFamily="18" charset="0"/>
+                          <a:ea typeface="Times New Roman" panose="02020603050405020304" pitchFamily="18" charset="0"/>
+                        </a:rPr>
+                        <a:t>CommentClass</a:t>
+                      </a:r>
+                      <a:r>
+                        <a:rPr lang="en-US" sz="1400" dirty="0">
+                          <a:effectLst/>
+                          <a:latin typeface="Times New Roman" panose="02020603050405020304" pitchFamily="18" charset="0"/>
+                          <a:ea typeface="Times New Roman" panose="02020603050405020304" pitchFamily="18" charset="0"/>
+                        </a:rPr>
+                        <a:t>),</a:t>
+                      </a:r>
+                      <a:endParaRPr lang="ru-RU" sz="1000" dirty="0">
                         <a:effectLst/>
                         <a:latin typeface="Times New Roman" panose="02020603050405020304" pitchFamily="18" charset="0"/>
                         <a:ea typeface="Times New Roman" panose="02020603050405020304" pitchFamily="18" charset="0"/>
@@ -7653,14 +7991,38 @@
                         </a:spcAft>
                       </a:pPr>
                       <a:r>
-                        <a:rPr lang="en-US" sz="1400">
+                        <a:rPr lang="en-US" sz="1400" dirty="0" err="1" smtClean="0">
                           <a:effectLst/>
                           <a:latin typeface="Times New Roman" panose="02020603050405020304" pitchFamily="18" charset="0"/>
                           <a:ea typeface="Times New Roman" panose="02020603050405020304" pitchFamily="18" charset="0"/>
                         </a:rPr>
-                        <a:t>AddUser(USerClass),</a:t>
+                        <a:t>AddUser</a:t>
                       </a:r>
-                      <a:endParaRPr lang="ru-RU" sz="1000">
+                      <a:r>
+                        <a:rPr lang="en-US" sz="1400" dirty="0" smtClean="0">
+                          <a:effectLst/>
+                          <a:latin typeface="Times New Roman" panose="02020603050405020304" pitchFamily="18" charset="0"/>
+                          <a:ea typeface="Times New Roman" panose="02020603050405020304" pitchFamily="18" charset="0"/>
+                        </a:rPr>
+                        <a:t>(</a:t>
+                      </a:r>
+                      <a:r>
+                        <a:rPr lang="en-US" sz="1400" dirty="0" err="1" smtClean="0">
+                          <a:effectLst/>
+                          <a:latin typeface="Times New Roman" panose="02020603050405020304" pitchFamily="18" charset="0"/>
+                          <a:ea typeface="Times New Roman" panose="02020603050405020304" pitchFamily="18" charset="0"/>
+                        </a:rPr>
+                        <a:t>UserClass</a:t>
+                      </a:r>
+                      <a:r>
+                        <a:rPr lang="en-US" sz="1400" dirty="0">
+                          <a:effectLst/>
+                          <a:latin typeface="Times New Roman" panose="02020603050405020304" pitchFamily="18" charset="0"/>
+                          <a:ea typeface="Times New Roman" panose="02020603050405020304" pitchFamily="18" charset="0"/>
+                        </a:rPr>
+                        <a:t>),</a:t>
+                      </a:r>
+                      <a:endParaRPr lang="ru-RU" sz="1000" dirty="0">
                         <a:effectLst/>
                         <a:latin typeface="Times New Roman" panose="02020603050405020304" pitchFamily="18" charset="0"/>
                         <a:ea typeface="Times New Roman" panose="02020603050405020304" pitchFamily="18" charset="0"/>
@@ -7676,14 +8038,38 @@
                         </a:spcAft>
                       </a:pPr>
                       <a:r>
-                        <a:rPr lang="en-US" sz="1400">
+                        <a:rPr lang="en-US" sz="1400" dirty="0" err="1">
                           <a:effectLst/>
                           <a:latin typeface="Times New Roman" panose="02020603050405020304" pitchFamily="18" charset="0"/>
                           <a:ea typeface="Times New Roman" panose="02020603050405020304" pitchFamily="18" charset="0"/>
                         </a:rPr>
-                        <a:t>AddCarInfo(CarInfoClass).</a:t>
+                        <a:t>AddCarInfo</a:t>
                       </a:r>
-                      <a:endParaRPr lang="ru-RU" sz="1000">
+                      <a:r>
+                        <a:rPr lang="en-US" sz="1400" dirty="0">
+                          <a:effectLst/>
+                          <a:latin typeface="Times New Roman" panose="02020603050405020304" pitchFamily="18" charset="0"/>
+                          <a:ea typeface="Times New Roman" panose="02020603050405020304" pitchFamily="18" charset="0"/>
+                        </a:rPr>
+                        <a:t>(</a:t>
+                      </a:r>
+                      <a:r>
+                        <a:rPr lang="en-US" sz="1400" dirty="0" err="1">
+                          <a:effectLst/>
+                          <a:latin typeface="Times New Roman" panose="02020603050405020304" pitchFamily="18" charset="0"/>
+                          <a:ea typeface="Times New Roman" panose="02020603050405020304" pitchFamily="18" charset="0"/>
+                        </a:rPr>
+                        <a:t>CarInfoClass</a:t>
+                      </a:r>
+                      <a:r>
+                        <a:rPr lang="en-US" sz="1400" dirty="0">
+                          <a:effectLst/>
+                          <a:latin typeface="Times New Roman" panose="02020603050405020304" pitchFamily="18" charset="0"/>
+                          <a:ea typeface="Times New Roman" panose="02020603050405020304" pitchFamily="18" charset="0"/>
+                        </a:rPr>
+                        <a:t>).</a:t>
+                      </a:r>
+                      <a:endParaRPr lang="ru-RU" sz="1000" dirty="0">
                         <a:effectLst/>
                         <a:latin typeface="Times New Roman" panose="02020603050405020304" pitchFamily="18" charset="0"/>
                         <a:ea typeface="Times New Roman" panose="02020603050405020304" pitchFamily="18" charset="0"/>
@@ -7753,18 +8139,25 @@
   <p:clrMapOvr>
     <a:masterClrMapping/>
   </p:clrMapOvr>
-  <mc:AlternateContent xmlns:mc="http://schemas.openxmlformats.org/markup-compatibility/2006">
-    <mc:Choice xmlns:p14="http://schemas.microsoft.com/office/powerpoint/2010/main" Requires="p14">
+  <mc:AlternateContent xmlns:mc="http://schemas.openxmlformats.org/markup-compatibility/2006" xmlns:p14="http://schemas.microsoft.com/office/powerpoint/2010/main">
+    <mc:Choice Requires="p14">
       <p:transition spd="med" p14:dur="700">
         <p:fade/>
       </p:transition>
     </mc:Choice>
-    <mc:Fallback>
+    <mc:Fallback xmlns="">
       <p:transition spd="med">
         <p:fade/>
       </p:transition>
     </mc:Fallback>
   </mc:AlternateContent>
+  <p:timing>
+    <p:tnLst>
+      <p:par>
+        <p:cTn id="1" dur="indefinite" restart="never" nodeType="tmRoot"/>
+      </p:par>
+    </p:tnLst>
+  </p:timing>
 </p:sld>
 </file>
 
@@ -7904,6 +8297,13 @@
       </p:transition>
     </mc:Fallback>
   </mc:AlternateContent>
+  <p:timing>
+    <p:tnLst>
+      <p:par>
+        <p:cTn id="1" dur="indefinite" restart="never" nodeType="tmRoot"/>
+      </p:par>
+    </p:tnLst>
+  </p:timing>
 </p:sld>
 </file>
 
@@ -8043,6 +8443,13 @@
       </p:transition>
     </mc:Fallback>
   </mc:AlternateContent>
+  <p:timing>
+    <p:tnLst>
+      <p:par>
+        <p:cTn id="1" dur="indefinite" restart="never" nodeType="tmRoot"/>
+      </p:par>
+    </p:tnLst>
+  </p:timing>
 </p:sld>
 </file>
 
@@ -8182,6 +8589,13 @@
       </p:transition>
     </mc:Fallback>
   </mc:AlternateContent>
+  <p:timing>
+    <p:tnLst>
+      <p:par>
+        <p:cTn id="1" dur="indefinite" restart="never" nodeType="tmRoot"/>
+      </p:par>
+    </p:tnLst>
+  </p:timing>
 </p:sld>
 </file>
 
@@ -9183,7 +9597,7 @@
               </a:rPr>
             </a:br>
             <a:r>
-              <a:rPr lang="ru-RU" dirty="0">
+              <a:rPr lang="ru-RU" sz="2000" dirty="0">
                 <a:solidFill>
                   <a:schemeClr val="bg1"/>
                 </a:solidFill>
@@ -9194,7 +9608,7 @@
           <a:p>
             <a:pPr lvl="0" algn="l"/>
             <a:r>
-              <a:rPr lang="ru-RU" dirty="0">
+              <a:rPr lang="ru-RU" sz="2000" dirty="0">
                 <a:solidFill>
                   <a:schemeClr val="bg1"/>
                 </a:solidFill>
@@ -9202,7 +9616,7 @@
               <a:t>2. Изучить технологии</a:t>
             </a:r>
             <a:r>
-              <a:rPr lang="en-US" dirty="0">
+              <a:rPr lang="en-US" sz="2000" dirty="0">
                 <a:solidFill>
                   <a:schemeClr val="bg1"/>
                 </a:solidFill>
@@ -9210,7 +9624,7 @@
               <a:t>: .NET</a:t>
             </a:r>
             <a:r>
-              <a:rPr lang="ru-RU" dirty="0">
+              <a:rPr lang="ru-RU" sz="2000" dirty="0">
                 <a:solidFill>
                   <a:schemeClr val="bg1"/>
                 </a:solidFill>
@@ -9218,7 +9632,7 @@
               <a:t>, </a:t>
             </a:r>
             <a:r>
-              <a:rPr lang="en-US" dirty="0">
+              <a:rPr lang="en-US" sz="2000" dirty="0">
                 <a:solidFill>
                   <a:schemeClr val="bg1"/>
                 </a:solidFill>
@@ -9226,7 +9640,7 @@
               <a:t>C#, Visual Studio 2015, MS </a:t>
             </a:r>
             <a:r>
-              <a:rPr lang="en-US" dirty="0" smtClean="0">
+              <a:rPr lang="en-US" sz="2000" dirty="0" smtClean="0">
                 <a:solidFill>
                   <a:schemeClr val="bg1"/>
                 </a:solidFill>
@@ -9234,7 +9648,7 @@
               <a:t>SQL</a:t>
             </a:r>
             <a:r>
-              <a:rPr lang="ru-RU" dirty="0" smtClean="0">
+              <a:rPr lang="ru-RU" sz="2000" dirty="0" smtClean="0">
                 <a:solidFill>
                   <a:schemeClr val="bg1"/>
                 </a:solidFill>
@@ -9242,7 +9656,7 @@
               <a:t>, </a:t>
             </a:r>
             <a:r>
-              <a:rPr lang="en-US" dirty="0" smtClean="0">
+              <a:rPr lang="en-US" sz="2000" dirty="0" smtClean="0">
                 <a:solidFill>
                   <a:schemeClr val="bg1"/>
                 </a:solidFill>
@@ -9250,7 +9664,7 @@
               <a:t>MS SQL </a:t>
             </a:r>
             <a:r>
-              <a:rPr lang="en-US" dirty="0">
+              <a:rPr lang="en-US" sz="2000" dirty="0">
                 <a:solidFill>
                   <a:schemeClr val="bg1"/>
                 </a:solidFill>
@@ -9258,14 +9672,14 @@
               <a:t> </a:t>
             </a:r>
             <a:r>
-              <a:rPr lang="en-US" dirty="0" smtClean="0">
+              <a:rPr lang="en-US" sz="2000" dirty="0" smtClean="0">
                 <a:solidFill>
                   <a:schemeClr val="bg1"/>
                 </a:solidFill>
               </a:rPr>
               <a:t>Visual Studio Tools</a:t>
             </a:r>
-            <a:endParaRPr lang="ru-RU" dirty="0">
+            <a:endParaRPr lang="ru-RU" sz="2000" dirty="0">
               <a:solidFill>
                 <a:schemeClr val="bg1"/>
               </a:solidFill>
@@ -9274,24 +9688,42 @@
           <a:p>
             <a:pPr lvl="0" algn="l"/>
             <a:r>
-              <a:rPr lang="ru-RU" dirty="0">
+              <a:rPr lang="ru-RU" sz="2000" dirty="0" smtClean="0">
                 <a:solidFill>
                   <a:schemeClr val="bg1"/>
                 </a:solidFill>
               </a:rPr>
-              <a:t>3.Разработать структуру программы и базы данных, разработать функционал программы, соответствующий техническому заданию.</a:t>
-            </a:r>
+              <a:t>3. Спроектировать базу данных</a:t>
+            </a:r>
+            <a:endParaRPr lang="ru-RU" sz="2000" dirty="0">
+              <a:solidFill>
+                <a:schemeClr val="bg1"/>
+              </a:solidFill>
+            </a:endParaRPr>
           </a:p>
           <a:p>
             <a:pPr lvl="0" algn="l"/>
             <a:r>
-              <a:rPr lang="ru-RU" dirty="0">
+              <a:rPr lang="ru-RU" sz="2000" dirty="0">
                 <a:solidFill>
                   <a:schemeClr val="bg1"/>
                 </a:solidFill>
               </a:rPr>
-              <a:t>4. Разработать интерфейс, логику для приложения. </a:t>
-            </a:r>
+              <a:t>4. Разработать </a:t>
+            </a:r>
+            <a:r>
+              <a:rPr lang="ru-RU" sz="2000" dirty="0" smtClean="0">
+                <a:solidFill>
+                  <a:schemeClr val="bg1"/>
+                </a:solidFill>
+              </a:rPr>
+              <a:t>логику работы с базой в приложении.</a:t>
+            </a:r>
+            <a:endParaRPr lang="ru-RU" sz="2000" dirty="0">
+              <a:solidFill>
+                <a:schemeClr val="bg1"/>
+              </a:solidFill>
+            </a:endParaRPr>
           </a:p>
           <a:p>
             <a:pPr algn="l"/>
@@ -9397,6 +9829,13 @@
       </p:transition>
     </mc:Fallback>
   </mc:AlternateContent>
+  <p:timing>
+    <p:tnLst>
+      <p:par>
+        <p:cTn id="1" dur="indefinite" restart="never" nodeType="tmRoot"/>
+      </p:par>
+    </p:tnLst>
+  </p:timing>
 </p:sld>
 </file>
 
@@ -10137,6 +10576,13 @@
       </p:transition>
     </mc:Fallback>
   </mc:AlternateContent>
+  <p:timing>
+    <p:tnLst>
+      <p:par>
+        <p:cTn id="1" dur="indefinite" restart="never" nodeType="tmRoot"/>
+      </p:par>
+    </p:tnLst>
+  </p:timing>
 </p:sld>
 </file>
 
@@ -10270,6 +10716,13 @@
       </p:transition>
     </mc:Fallback>
   </mc:AlternateContent>
+  <p:timing>
+    <p:tnLst>
+      <p:par>
+        <p:cTn id="1" dur="indefinite" restart="never" nodeType="tmRoot"/>
+      </p:par>
+    </p:tnLst>
+  </p:timing>
 </p:sld>
 </file>
 
@@ -10351,7 +10804,7 @@
         <p:spPr>
           <a:xfrm>
             <a:off x="514844" y="1412776"/>
-            <a:ext cx="8258327" cy="4959919"/>
+            <a:ext cx="8258327" cy="4768755"/>
           </a:xfrm>
           <a:prstGeom prst="rect">
             <a:avLst/>
@@ -10411,6 +10864,13 @@
       </p:transition>
     </mc:Fallback>
   </mc:AlternateContent>
+  <p:timing>
+    <p:tnLst>
+      <p:par>
+        <p:cTn id="1" dur="indefinite" restart="never" nodeType="tmRoot"/>
+      </p:par>
+    </p:tnLst>
+  </p:timing>
 </p:sld>
 </file>
 
@@ -10552,6 +11012,13 @@
       </p:transition>
     </mc:Fallback>
   </mc:AlternateContent>
+  <p:timing>
+    <p:tnLst>
+      <p:par>
+        <p:cTn id="1" dur="indefinite" restart="never" nodeType="tmRoot"/>
+      </p:par>
+    </p:tnLst>
+  </p:timing>
 </p:sld>
 </file>
 
@@ -10620,8 +11087,8 @@
         </p:nvSpPr>
         <p:spPr>
           <a:xfrm>
-            <a:off x="1511660" y="1801619"/>
-            <a:ext cx="6264696" cy="4608512"/>
+            <a:off x="1511660" y="1988839"/>
+            <a:ext cx="6264696" cy="4421291"/>
           </a:xfrm>
           <a:prstGeom prst="rect">
             <a:avLst/>
@@ -10819,6 +11286,13 @@
       </p:transition>
     </mc:Fallback>
   </mc:AlternateContent>
+  <p:timing>
+    <p:tnLst>
+      <p:par>
+        <p:cTn id="1" dur="indefinite" restart="never" nodeType="tmRoot"/>
+      </p:par>
+    </p:tnLst>
+  </p:timing>
 </p:sld>
 </file>
 
@@ -10960,6 +11434,13 @@
       </p:transition>
     </mc:Fallback>
   </mc:AlternateContent>
+  <p:timing>
+    <p:tnLst>
+      <p:par>
+        <p:cTn id="1" dur="indefinite" restart="never" nodeType="tmRoot"/>
+      </p:par>
+    </p:tnLst>
+  </p:timing>
 </p:sld>
 </file>
 
@@ -11094,18 +11575,25 @@
   <p:clrMapOvr>
     <a:masterClrMapping/>
   </p:clrMapOvr>
-  <mc:AlternateContent xmlns:mc="http://schemas.openxmlformats.org/markup-compatibility/2006">
-    <mc:Choice xmlns:p14="http://schemas.microsoft.com/office/powerpoint/2010/main" Requires="p14">
+  <mc:AlternateContent xmlns:mc="http://schemas.openxmlformats.org/markup-compatibility/2006" xmlns:p14="http://schemas.microsoft.com/office/powerpoint/2010/main">
+    <mc:Choice Requires="p14">
       <p:transition spd="med" p14:dur="700">
         <p:fade/>
       </p:transition>
     </mc:Choice>
-    <mc:Fallback>
+    <mc:Fallback xmlns="">
       <p:transition spd="med">
         <p:fade/>
       </p:transition>
     </mc:Fallback>
   </mc:AlternateContent>
+  <p:timing>
+    <p:tnLst>
+      <p:par>
+        <p:cTn id="1" dur="indefinite" restart="never" nodeType="tmRoot"/>
+      </p:par>
+    </p:tnLst>
+  </p:timing>
 </p:sld>
 </file>
 
